--- a/assets/logo.pptx
+++ b/assets/logo.pptx
@@ -104,6 +104,11 @@
       </a:defRPr>
     </a:lvl9pPr>
   </p:defaultTextStyle>
+  <p:extLst>
+    <p:ext uri="{EFAFB233-063F-42B5-8137-9DF3F51BA10A}">
+      <p15:sldGuideLst xmlns:p15="http://schemas.microsoft.com/office/powerpoint/2012/main"/>
+    </p:ext>
+  </p:extLst>
 </p:presentation>
 </file>
 
@@ -3336,10 +3341,16 @@
         <p:grpSpPr>
           <a:xfrm>
             <a:off x="2155971" y="1998677"/>
-            <a:ext cx="3212983" cy="2833382"/>
+            <a:ext cx="3263317" cy="2866938"/>
             <a:chOff x="2155971" y="1998677"/>
             <a:chExt cx="3212983" cy="2833382"/>
           </a:xfrm>
+          <a:solidFill>
+            <a:schemeClr val="accent1">
+              <a:lumMod val="60000"/>
+              <a:lumOff val="40000"/>
+            </a:schemeClr>
+          </a:solidFill>
         </p:grpSpPr>
         <p:sp>
           <p:nvSpPr>
@@ -3361,6 +3372,7 @@
             <a:prstGeom prst="pentagon">
               <a:avLst/>
             </a:prstGeom>
+            <a:grpFill/>
           </p:spPr>
           <p:style>
             <a:lnRef idx="1">
@@ -3382,6 +3394,84 @@
             <a:p>
               <a:pPr algn="ctr"/>
               <a:endParaRPr lang="de-DE"/>
+            </a:p>
+          </p:txBody>
+        </p:sp>
+        <p:sp>
+          <p:nvSpPr>
+            <p:cNvPr id="7" name="Textfeld 6">
+              <a:extLst>
+                <a:ext uri="{FF2B5EF4-FFF2-40B4-BE49-F238E27FC236}">
+                  <a16:creationId xmlns:a16="http://schemas.microsoft.com/office/drawing/2014/main" id="{87FDF98A-BD3C-4FD8-B7D2-99A045AE86B2}"/>
+                </a:ext>
+              </a:extLst>
+            </p:cNvPr>
+            <p:cNvSpPr txBox="1"/>
+            <p:nvPr/>
+          </p:nvSpPr>
+          <p:spPr>
+            <a:xfrm>
+              <a:off x="2752014" y="4230702"/>
+              <a:ext cx="2013991" cy="553998"/>
+            </a:xfrm>
+            <a:prstGeom prst="rect">
+              <a:avLst/>
+            </a:prstGeom>
+            <a:grpFill/>
+          </p:spPr>
+          <p:txBody>
+            <a:bodyPr wrap="square" rtlCol="0">
+              <a:spAutoFit/>
+            </a:bodyPr>
+            <a:lstStyle/>
+            <a:p>
+              <a:r>
+                <a:rPr lang="de-DE" sz="3000" dirty="0" err="1">
+                  <a:solidFill>
+                    <a:schemeClr val="accent1">
+                      <a:lumMod val="50000"/>
+                      <a:alpha val="60000"/>
+                    </a:schemeClr>
+                  </a:solidFill>
+                  <a:effectLst>
+                    <a:glow rad="228600">
+                      <a:schemeClr val="bg1">
+                        <a:alpha val="40000"/>
+                      </a:schemeClr>
+                    </a:glow>
+                    <a:innerShdw blurRad="114300">
+                      <a:prstClr val="black">
+                        <a:alpha val="96000"/>
+                      </a:prstClr>
+                    </a:innerShdw>
+                  </a:effectLst>
+                  <a:latin typeface="MS PGothic" panose="020B0600070205080204" pitchFamily="34" charset="-128"/>
+                  <a:ea typeface="MS PGothic" panose="020B0600070205080204" pitchFamily="34" charset="-128"/>
+                </a:rPr>
+                <a:t>SIEMplexity</a:t>
+              </a:r>
+              <a:endParaRPr lang="de-DE" sz="3000" dirty="0">
+                <a:solidFill>
+                  <a:schemeClr val="accent1">
+                    <a:lumMod val="50000"/>
+                    <a:alpha val="60000"/>
+                  </a:schemeClr>
+                </a:solidFill>
+                <a:effectLst>
+                  <a:glow rad="228600">
+                    <a:schemeClr val="bg1">
+                      <a:alpha val="40000"/>
+                    </a:schemeClr>
+                  </a:glow>
+                  <a:innerShdw blurRad="114300">
+                    <a:prstClr val="black">
+                      <a:alpha val="96000"/>
+                    </a:prstClr>
+                  </a:innerShdw>
+                </a:effectLst>
+                <a:latin typeface="MS PGothic" panose="020B0600070205080204" pitchFamily="34" charset="-128"/>
+                <a:ea typeface="MS PGothic" panose="020B0600070205080204" pitchFamily="34" charset="-128"/>
+              </a:endParaRPr>
             </a:p>
           </p:txBody>
         </p:sp>
@@ -3416,7 +3506,7 @@
           </p:blipFill>
           <p:spPr>
             <a:xfrm rot="21356739">
-              <a:off x="2657610" y="2265425"/>
+              <a:off x="2682389" y="2190808"/>
               <a:ext cx="2209705" cy="2209705"/>
             </a:xfrm>
             <a:prstGeom prst="rect">
@@ -3431,84 +3521,6 @@
             </a:effectLst>
           </p:spPr>
         </p:pic>
-        <p:sp>
-          <p:nvSpPr>
-            <p:cNvPr id="7" name="Textfeld 6">
-              <a:extLst>
-                <a:ext uri="{FF2B5EF4-FFF2-40B4-BE49-F238E27FC236}">
-                  <a16:creationId xmlns:a16="http://schemas.microsoft.com/office/drawing/2014/main" id="{87FDF98A-BD3C-4FD8-B7D2-99A045AE86B2}"/>
-                </a:ext>
-              </a:extLst>
-            </p:cNvPr>
-            <p:cNvSpPr txBox="1"/>
-            <p:nvPr/>
-          </p:nvSpPr>
-          <p:spPr>
-            <a:xfrm>
-              <a:off x="2776791" y="4247284"/>
-              <a:ext cx="2088859" cy="584775"/>
-            </a:xfrm>
-            <a:prstGeom prst="rect">
-              <a:avLst/>
-            </a:prstGeom>
-            <a:noFill/>
-          </p:spPr>
-          <p:txBody>
-            <a:bodyPr wrap="square" rtlCol="0">
-              <a:spAutoFit/>
-            </a:bodyPr>
-            <a:lstStyle/>
-            <a:p>
-              <a:r>
-                <a:rPr lang="de-DE" sz="3200" dirty="0" err="1">
-                  <a:solidFill>
-                    <a:schemeClr val="accent1">
-                      <a:lumMod val="50000"/>
-                      <a:alpha val="60000"/>
-                    </a:schemeClr>
-                  </a:solidFill>
-                  <a:effectLst>
-                    <a:glow rad="228600">
-                      <a:schemeClr val="bg1">
-                        <a:alpha val="40000"/>
-                      </a:schemeClr>
-                    </a:glow>
-                    <a:innerShdw blurRad="114300">
-                      <a:prstClr val="black">
-                        <a:alpha val="96000"/>
-                      </a:prstClr>
-                    </a:innerShdw>
-                  </a:effectLst>
-                  <a:latin typeface="MS PGothic" panose="020B0600070205080204" pitchFamily="34" charset="-128"/>
-                  <a:ea typeface="MS PGothic" panose="020B0600070205080204" pitchFamily="34" charset="-128"/>
-                </a:rPr>
-                <a:t>SIEMphony</a:t>
-              </a:r>
-              <a:endParaRPr lang="de-DE" sz="3200" dirty="0">
-                <a:solidFill>
-                  <a:schemeClr val="accent1">
-                    <a:lumMod val="50000"/>
-                    <a:alpha val="60000"/>
-                  </a:schemeClr>
-                </a:solidFill>
-                <a:effectLst>
-                  <a:glow rad="228600">
-                    <a:schemeClr val="bg1">
-                      <a:alpha val="40000"/>
-                    </a:schemeClr>
-                  </a:glow>
-                  <a:innerShdw blurRad="114300">
-                    <a:prstClr val="black">
-                      <a:alpha val="96000"/>
-                    </a:prstClr>
-                  </a:innerShdw>
-                </a:effectLst>
-                <a:latin typeface="MS PGothic" panose="020B0600070205080204" pitchFamily="34" charset="-128"/>
-                <a:ea typeface="MS PGothic" panose="020B0600070205080204" pitchFamily="34" charset="-128"/>
-              </a:endParaRPr>
-            </a:p>
-          </p:txBody>
-        </p:sp>
       </p:grpSp>
     </p:spTree>
     <p:extLst>

--- a/assets/logo.pptx
+++ b/assets/logo.pptx
@@ -259,7 +259,7 @@
           <a:p>
             <a:fld id="{C82D3BDD-010F-45C5-B58B-0DBBE1531418}" type="datetimeFigureOut">
               <a:rPr lang="de-DE" smtClean="0"/>
-              <a:t>15.09.2020</a:t>
+              <a:t>17.09.2020</a:t>
             </a:fld>
             <a:endParaRPr lang="de-DE"/>
           </a:p>
@@ -457,7 +457,7 @@
           <a:p>
             <a:fld id="{C82D3BDD-010F-45C5-B58B-0DBBE1531418}" type="datetimeFigureOut">
               <a:rPr lang="de-DE" smtClean="0"/>
-              <a:t>15.09.2020</a:t>
+              <a:t>17.09.2020</a:t>
             </a:fld>
             <a:endParaRPr lang="de-DE"/>
           </a:p>
@@ -665,7 +665,7 @@
           <a:p>
             <a:fld id="{C82D3BDD-010F-45C5-B58B-0DBBE1531418}" type="datetimeFigureOut">
               <a:rPr lang="de-DE" smtClean="0"/>
-              <a:t>15.09.2020</a:t>
+              <a:t>17.09.2020</a:t>
             </a:fld>
             <a:endParaRPr lang="de-DE"/>
           </a:p>
@@ -863,7 +863,7 @@
           <a:p>
             <a:fld id="{C82D3BDD-010F-45C5-B58B-0DBBE1531418}" type="datetimeFigureOut">
               <a:rPr lang="de-DE" smtClean="0"/>
-              <a:t>15.09.2020</a:t>
+              <a:t>17.09.2020</a:t>
             </a:fld>
             <a:endParaRPr lang="de-DE"/>
           </a:p>
@@ -1138,7 +1138,7 @@
           <a:p>
             <a:fld id="{C82D3BDD-010F-45C5-B58B-0DBBE1531418}" type="datetimeFigureOut">
               <a:rPr lang="de-DE" smtClean="0"/>
-              <a:t>15.09.2020</a:t>
+              <a:t>17.09.2020</a:t>
             </a:fld>
             <a:endParaRPr lang="de-DE"/>
           </a:p>
@@ -1403,7 +1403,7 @@
           <a:p>
             <a:fld id="{C82D3BDD-010F-45C5-B58B-0DBBE1531418}" type="datetimeFigureOut">
               <a:rPr lang="de-DE" smtClean="0"/>
-              <a:t>15.09.2020</a:t>
+              <a:t>17.09.2020</a:t>
             </a:fld>
             <a:endParaRPr lang="de-DE"/>
           </a:p>
@@ -1815,7 +1815,7 @@
           <a:p>
             <a:fld id="{C82D3BDD-010F-45C5-B58B-0DBBE1531418}" type="datetimeFigureOut">
               <a:rPr lang="de-DE" smtClean="0"/>
-              <a:t>15.09.2020</a:t>
+              <a:t>17.09.2020</a:t>
             </a:fld>
             <a:endParaRPr lang="de-DE"/>
           </a:p>
@@ -1956,7 +1956,7 @@
           <a:p>
             <a:fld id="{C82D3BDD-010F-45C5-B58B-0DBBE1531418}" type="datetimeFigureOut">
               <a:rPr lang="de-DE" smtClean="0"/>
-              <a:t>15.09.2020</a:t>
+              <a:t>17.09.2020</a:t>
             </a:fld>
             <a:endParaRPr lang="de-DE"/>
           </a:p>
@@ -2069,7 +2069,7 @@
           <a:p>
             <a:fld id="{C82D3BDD-010F-45C5-B58B-0DBBE1531418}" type="datetimeFigureOut">
               <a:rPr lang="de-DE" smtClean="0"/>
-              <a:t>15.09.2020</a:t>
+              <a:t>17.09.2020</a:t>
             </a:fld>
             <a:endParaRPr lang="de-DE"/>
           </a:p>
@@ -2380,7 +2380,7 @@
           <a:p>
             <a:fld id="{C82D3BDD-010F-45C5-B58B-0DBBE1531418}" type="datetimeFigureOut">
               <a:rPr lang="de-DE" smtClean="0"/>
-              <a:t>15.09.2020</a:t>
+              <a:t>17.09.2020</a:t>
             </a:fld>
             <a:endParaRPr lang="de-DE"/>
           </a:p>
@@ -2668,7 +2668,7 @@
           <a:p>
             <a:fld id="{C82D3BDD-010F-45C5-B58B-0DBBE1531418}" type="datetimeFigureOut">
               <a:rPr lang="de-DE" smtClean="0"/>
-              <a:t>15.09.2020</a:t>
+              <a:t>17.09.2020</a:t>
             </a:fld>
             <a:endParaRPr lang="de-DE"/>
           </a:p>
@@ -2909,7 +2909,7 @@
           <a:p>
             <a:fld id="{C82D3BDD-010F-45C5-B58B-0DBBE1531418}" type="datetimeFigureOut">
               <a:rPr lang="de-DE" smtClean="0"/>
-              <a:t>15.09.2020</a:t>
+              <a:t>17.09.2020</a:t>
             </a:fld>
             <a:endParaRPr lang="de-DE"/>
           </a:p>
@@ -3522,6 +3522,186 @@
           </p:spPr>
         </p:pic>
       </p:grpSp>
+      <p:grpSp>
+        <p:nvGrpSpPr>
+          <p:cNvPr id="12" name="Gruppieren 11">
+            <a:extLst>
+              <a:ext uri="{FF2B5EF4-FFF2-40B4-BE49-F238E27FC236}">
+                <a16:creationId xmlns:a16="http://schemas.microsoft.com/office/drawing/2014/main" id="{B67E254F-6E66-415D-804C-4DB84AA56B3B}"/>
+              </a:ext>
+            </a:extLst>
+          </p:cNvPr>
+          <p:cNvGrpSpPr/>
+          <p:nvPr/>
+        </p:nvGrpSpPr>
+        <p:grpSpPr>
+          <a:xfrm>
+            <a:off x="6096000" y="1574756"/>
+            <a:ext cx="2634143" cy="2682380"/>
+            <a:chOff x="6096000" y="1574756"/>
+            <a:chExt cx="2634143" cy="2682380"/>
+          </a:xfrm>
+        </p:grpSpPr>
+        <p:sp>
+          <p:nvSpPr>
+            <p:cNvPr id="2" name="Flussdiagramm: Verbinder 1">
+              <a:extLst>
+                <a:ext uri="{FF2B5EF4-FFF2-40B4-BE49-F238E27FC236}">
+                  <a16:creationId xmlns:a16="http://schemas.microsoft.com/office/drawing/2014/main" id="{22AE2689-5A23-47BB-B156-EF890EF3E050}"/>
+                </a:ext>
+              </a:extLst>
+            </p:cNvPr>
+            <p:cNvSpPr/>
+            <p:nvPr/>
+          </p:nvSpPr>
+          <p:spPr>
+            <a:xfrm>
+              <a:off x="6096000" y="1574756"/>
+              <a:ext cx="2634143" cy="2682380"/>
+            </a:xfrm>
+            <a:prstGeom prst="flowChartConnector">
+              <a:avLst/>
+            </a:prstGeom>
+          </p:spPr>
+          <p:style>
+            <a:lnRef idx="2">
+              <a:schemeClr val="dk1">
+                <a:shade val="50000"/>
+              </a:schemeClr>
+            </a:lnRef>
+            <a:fillRef idx="1">
+              <a:schemeClr val="dk1"/>
+            </a:fillRef>
+            <a:effectRef idx="0">
+              <a:schemeClr val="dk1"/>
+            </a:effectRef>
+            <a:fontRef idx="minor">
+              <a:schemeClr val="lt1"/>
+            </a:fontRef>
+          </p:style>
+          <p:txBody>
+            <a:bodyPr rtlCol="0" anchor="ctr"/>
+            <a:lstStyle/>
+            <a:p>
+              <a:endParaRPr lang="de-DE" sz="1800" dirty="0">
+                <a:solidFill>
+                  <a:schemeClr val="bg1">
+                    <a:alpha val="60000"/>
+                  </a:schemeClr>
+                </a:solidFill>
+                <a:effectLst>
+                  <a:glow rad="228600">
+                    <a:schemeClr val="bg1">
+                      <a:alpha val="40000"/>
+                    </a:schemeClr>
+                  </a:glow>
+                  <a:innerShdw blurRad="114300">
+                    <a:prstClr val="black">
+                      <a:alpha val="96000"/>
+                    </a:prstClr>
+                  </a:innerShdw>
+                </a:effectLst>
+                <a:latin typeface="MS PGothic" panose="020B0600070205080204" pitchFamily="34" charset="-128"/>
+                <a:ea typeface="MS PGothic" panose="020B0600070205080204" pitchFamily="34" charset="-128"/>
+              </a:endParaRPr>
+            </a:p>
+          </p:txBody>
+        </p:sp>
+        <p:sp>
+          <p:nvSpPr>
+            <p:cNvPr id="4" name="Textfeld 3">
+              <a:extLst>
+                <a:ext uri="{FF2B5EF4-FFF2-40B4-BE49-F238E27FC236}">
+                  <a16:creationId xmlns:a16="http://schemas.microsoft.com/office/drawing/2014/main" id="{80545E4E-2416-4C0C-9A22-6AA2D56DD23F}"/>
+                </a:ext>
+              </a:extLst>
+            </p:cNvPr>
+            <p:cNvSpPr txBox="1"/>
+            <p:nvPr/>
+          </p:nvSpPr>
+          <p:spPr>
+            <a:xfrm>
+              <a:off x="6753137" y="3523376"/>
+              <a:ext cx="1602298" cy="523220"/>
+            </a:xfrm>
+            <a:prstGeom prst="rect">
+              <a:avLst/>
+            </a:prstGeom>
+            <a:noFill/>
+          </p:spPr>
+          <p:txBody>
+            <a:bodyPr wrap="square" rtlCol="0">
+              <a:spAutoFit/>
+            </a:bodyPr>
+            <a:lstStyle/>
+            <a:p>
+              <a:r>
+                <a:rPr lang="de-DE" sz="2800" b="1" dirty="0" err="1">
+                  <a:solidFill>
+                    <a:schemeClr val="bg1"/>
+                  </a:solidFill>
+                </a:rPr>
+                <a:t>SIEM</a:t>
+              </a:r>
+              <a:r>
+                <a:rPr lang="de-DE" dirty="0" err="1">
+                  <a:solidFill>
+                    <a:schemeClr val="bg1"/>
+                  </a:solidFill>
+                </a:rPr>
+                <a:t>plexity</a:t>
+              </a:r>
+              <a:r>
+                <a:rPr lang="de-DE" dirty="0">
+                  <a:solidFill>
+                    <a:schemeClr val="bg1"/>
+                  </a:solidFill>
+                </a:rPr>
+                <a:t>.</a:t>
+              </a:r>
+            </a:p>
+          </p:txBody>
+        </p:sp>
+        <p:pic>
+          <p:nvPicPr>
+            <p:cNvPr id="11" name="Grafik 10" descr="Augenscan">
+              <a:extLst>
+                <a:ext uri="{FF2B5EF4-FFF2-40B4-BE49-F238E27FC236}">
+                  <a16:creationId xmlns:a16="http://schemas.microsoft.com/office/drawing/2014/main" id="{7984D94A-221F-416A-87E6-0E877377C20C}"/>
+                </a:ext>
+              </a:extLst>
+            </p:cNvPr>
+            <p:cNvPicPr>
+              <a:picLocks noChangeAspect="1"/>
+            </p:cNvPicPr>
+            <p:nvPr/>
+          </p:nvPicPr>
+          <p:blipFill>
+            <a:blip r:embed="rId4">
+              <a:extLst>
+                <a:ext uri="{28A0092B-C50C-407E-A947-70E740481C1C}">
+                  <a14:useLocalDpi xmlns:a14="http://schemas.microsoft.com/office/drawing/2010/main" val="0"/>
+                </a:ext>
+                <a:ext uri="{96DAC541-7B7A-43D3-8B79-37D633B846F1}">
+                  <asvg:svgBlip xmlns:asvg="http://schemas.microsoft.com/office/drawing/2016/SVG/main" r:embed="rId5"/>
+                </a:ext>
+              </a:extLst>
+            </a:blip>
+            <a:stretch>
+              <a:fillRect/>
+            </a:stretch>
+          </p:blipFill>
+          <p:spPr>
+            <a:xfrm>
+              <a:off x="6521740" y="1914787"/>
+              <a:ext cx="1782661" cy="1782661"/>
+            </a:xfrm>
+            <a:prstGeom prst="rect">
+              <a:avLst/>
+            </a:prstGeom>
+          </p:spPr>
+        </p:pic>
+      </p:grpSp>
     </p:spTree>
     <p:extLst>
       <p:ext uri="{BB962C8B-B14F-4D97-AF65-F5344CB8AC3E}">
